--- a/Presentaciones/Swell - Optimización de estrategias - RSocio (02-03-2021).pptx
+++ b/Presentaciones/Swell - Optimización de estrategias - RSocio (02-03-2021).pptx
@@ -9855,7 +9855,7 @@
 </file>
 
 <file path=ppt/slides/slide10.xml><?xml version="1.0" encoding="utf-8"?>
-<p:sld xmlns:a="http://schemas.openxmlformats.org/drawingml/2006/main" xmlns:r="http://schemas.openxmlformats.org/officeDocument/2006/relationships" xmlns:p="http://schemas.openxmlformats.org/presentationml/2006/main">
+<p:sld xmlns:a="http://schemas.openxmlformats.org/drawingml/2006/main" xmlns:r="http://schemas.openxmlformats.org/officeDocument/2006/relationships" xmlns:p="http://schemas.openxmlformats.org/presentationml/2006/main" show="0">
   <p:cSld>
     <p:spTree>
       <p:nvGrpSpPr>
@@ -22961,7 +22961,7 @@
 </file>
 
 <file path=ppt/slides/slide9.xml><?xml version="1.0" encoding="utf-8"?>
-<p:sld xmlns:a="http://schemas.openxmlformats.org/drawingml/2006/main" xmlns:r="http://schemas.openxmlformats.org/officeDocument/2006/relationships" xmlns:p="http://schemas.openxmlformats.org/presentationml/2006/main">
+<p:sld xmlns:a="http://schemas.openxmlformats.org/drawingml/2006/main" xmlns:r="http://schemas.openxmlformats.org/officeDocument/2006/relationships" xmlns:p="http://schemas.openxmlformats.org/presentationml/2006/main" show="0">
   <p:cSld>
     <p:spTree>
       <p:nvGrpSpPr>
